--- a/Presentation/Task Manager.pptx
+++ b/Presentation/Task Manager.pptx
@@ -138,10 +138,6 @@
     </p:ext>
   </p:extLst>
 </p:presentation>
-</file>
-
-<file path=ppt/revisionInfo.xml><?xml version="1.0" encoding="utf-8"?>
-<p1510:revInfo xmlns:a="http://schemas.openxmlformats.org/drawingml/2006/main" xmlns:r="http://schemas.openxmlformats.org/officeDocument/2006/relationships" xmlns:p1510="http://schemas.microsoft.com/office/powerpoint/2015/10/main"/>
 </file>
 
 <file path=ppt/charts/chart1.xml><?xml version="1.0" encoding="utf-8"?>
@@ -18267,7 +18263,7 @@
           <p:nvPr>
             <p:extLst>
               <p:ext uri="{D42A27DB-BD31-4B8C-83A1-F6EECF244321}">
-                <p14:modId xmlns:p14="http://schemas.microsoft.com/office/powerpoint/2010/main" val="1593725340"/>
+                <p14:modId xmlns:p14="http://schemas.microsoft.com/office/powerpoint/2010/main" val="4043459334"/>
               </p:ext>
             </p:extLst>
           </p:nvPr>
@@ -18437,7 +18433,22 @@
                     </a:p>
                     <a:p>
                       <a:pPr algn="ctr"/>
+                      <a:r>
+                        <a:rPr lang="en-US" sz="2000" dirty="0"/>
+                        <a:t>Matthew </a:t>
+                      </a:r>
+                      <a:r>
+                        <a:rPr lang="en-US" sz="2000" dirty="0" err="1"/>
+                        <a:t>Bonsignore</a:t>
+                      </a:r>
                       <a:endParaRPr lang="en-US" sz="2000" dirty="0"/>
+                    </a:p>
+                    <a:p>
+                      <a:pPr algn="ctr"/>
+                      <a:r>
+                        <a:rPr lang="en-US" sz="2000" dirty="0"/>
+                        <a:t>Pallavi Dacre</a:t>
+                      </a:r>
                     </a:p>
                   </a:txBody>
                   <a:tcPr/>
@@ -18506,14 +18517,14 @@
           <p:nvPr>
             <p:extLst>
               <p:ext uri="{D42A27DB-BD31-4B8C-83A1-F6EECF244321}">
-                <p14:modId xmlns:p14="http://schemas.microsoft.com/office/powerpoint/2010/main" val="1450959524"/>
+                <p14:modId xmlns:p14="http://schemas.microsoft.com/office/powerpoint/2010/main" val="504381449"/>
               </p:ext>
             </p:extLst>
           </p:nvPr>
         </p:nvGraphicFramePr>
         <p:xfrm>
           <a:off x="799070" y="3275364"/>
-          <a:ext cx="2590800" cy="1097280"/>
+          <a:ext cx="2590800" cy="1402080"/>
         </p:xfrm>
         <a:graphic>
           <a:graphicData uri="http://schemas.openxmlformats.org/drawingml/2006/table">
@@ -18577,6 +18588,29 @@
                       <a:r>
                         <a:rPr lang="en-US" sz="2000" dirty="0"/>
                         <a:t>Mark Nguyen</a:t>
+                      </a:r>
+                    </a:p>
+                    <a:p>
+                      <a:pPr marL="0" marR="0" lvl="0" indent="0" algn="ctr" defTabSz="914400" rtl="0" eaLnBrk="1" fontAlgn="auto" latinLnBrk="0" hangingPunct="1">
+                        <a:lnSpc>
+                          <a:spcPct val="100000"/>
+                        </a:lnSpc>
+                        <a:spcBef>
+                          <a:spcPts val="0"/>
+                        </a:spcBef>
+                        <a:spcAft>
+                          <a:spcPts val="0"/>
+                        </a:spcAft>
+                        <a:buClrTx/>
+                        <a:buSzTx/>
+                        <a:buFontTx/>
+                        <a:buNone/>
+                        <a:tabLst/>
+                        <a:defRPr/>
+                      </a:pPr>
+                      <a:r>
+                        <a:rPr lang="en-US" sz="2000" dirty="0"/>
+                        <a:t>Pallavi Dacre</a:t>
                       </a:r>
                     </a:p>
                     <a:p>
@@ -22673,7 +22707,7 @@
         <p:spPr>
           <a:xfrm>
             <a:off x="549293" y="5887511"/>
-            <a:ext cx="9183604" cy="276999"/>
+            <a:ext cx="7726795" cy="246221"/>
           </a:xfrm>
           <a:prstGeom prst="rect">
             <a:avLst/>
@@ -22687,7 +22721,7 @@
           <a:lstStyle/>
           <a:p>
             <a:r>
-              <a:rPr lang="en-US" sz="1200" dirty="0">
+              <a:rPr lang="en-US" sz="1000" dirty="0">
                 <a:solidFill>
                   <a:schemeClr val="accent1">
                     <a:lumMod val="75000"/>
@@ -25325,19 +25359,19 @@
           <a:p>
             <a:r>
               <a:rPr lang="en-US" dirty="0"/>
-              <a:t>User first creates and account.</a:t>
+              <a:t>User first creates an account</a:t>
             </a:r>
           </a:p>
           <a:p>
             <a:r>
               <a:rPr lang="en-US" dirty="0"/>
-              <a:t>The user is able to add task and delete tasks.</a:t>
+              <a:t>The user is able to add tasks and delete tasks</a:t>
             </a:r>
           </a:p>
           <a:p>
             <a:r>
               <a:rPr lang="en-US" dirty="0"/>
-              <a:t>Modifying tasks are simple and allows the user to update their tasks or mark them as completed.</a:t>
+              <a:t>Modifying tasks are simple and allows the user to update their tasks or mark them as completed</a:t>
             </a:r>
           </a:p>
         </p:txBody>
@@ -25448,7 +25482,7 @@
         </p:nvSpPr>
         <p:spPr>
           <a:xfrm>
-            <a:off x="4362965" y="1882347"/>
+            <a:off x="3607658" y="1768901"/>
             <a:ext cx="3021227" cy="4027713"/>
           </a:xfrm>
         </p:spPr>
@@ -25503,7 +25537,7 @@
         </p:blipFill>
         <p:spPr>
           <a:xfrm>
-            <a:off x="7384192" y="2627635"/>
+            <a:off x="7384191" y="2852668"/>
             <a:ext cx="4347680" cy="1614852"/>
           </a:xfrm>
           <a:prstGeom prst="rect">
@@ -25533,7 +25567,7 @@
         </p:blipFill>
         <p:spPr>
           <a:xfrm>
-            <a:off x="2242802" y="1801427"/>
+            <a:off x="1137794" y="1646238"/>
             <a:ext cx="1714558" cy="4000635"/>
           </a:xfrm>
           <a:prstGeom prst="rect">
@@ -25682,69 +25716,36 @@
           </a:p>
         </p:txBody>
       </p:sp>
-      <p:graphicFrame>
-        <p:nvGraphicFramePr>
-          <p:cNvPr id="13" name="Table 12">
+      <p:pic>
+        <p:nvPicPr>
+          <p:cNvPr id="24" name="Picture 23">
             <a:extLst>
               <a:ext uri="{FF2B5EF4-FFF2-40B4-BE49-F238E27FC236}">
-                <a16:creationId xmlns:a16="http://schemas.microsoft.com/office/drawing/2014/main" id="{2C22CE76-8153-416A-AFEF-563356C81867}"/>
+                <a16:creationId xmlns:a16="http://schemas.microsoft.com/office/drawing/2014/main" id="{C0D8A00C-FDCC-4D92-8963-592DE56953E8}"/>
               </a:ext>
             </a:extLst>
           </p:cNvPr>
-          <p:cNvGraphicFramePr>
-            <a:graphicFrameLocks noGrp="1"/>
-          </p:cNvGraphicFramePr>
-          <p:nvPr>
-            <p:extLst>
-              <p:ext uri="{D42A27DB-BD31-4B8C-83A1-F6EECF244321}">
-                <p14:modId xmlns:p14="http://schemas.microsoft.com/office/powerpoint/2010/main" val="1154581474"/>
-              </p:ext>
-            </p:extLst>
-          </p:nvPr>
-        </p:nvGraphicFramePr>
-        <p:xfrm>
-          <a:off x="705709" y="2589494"/>
-          <a:ext cx="2853037" cy="370840"/>
-        </p:xfrm>
-        <a:graphic>
-          <a:graphicData uri="http://schemas.openxmlformats.org/drawingml/2006/table">
-            <a:tbl>
-              <a:tblPr firstRow="1" bandRow="1">
-                <a:tableStyleId>{91EBBBCC-DAD2-459C-BE2E-F6DE35CF9A28}</a:tableStyleId>
-              </a:tblPr>
-              <a:tblGrid>
-                <a:gridCol w="2853037">
-                  <a:extLst>
-                    <a:ext uri="{9D8B030D-6E8A-4147-A177-3AD203B41FA5}">
-                      <a16:colId xmlns:a16="http://schemas.microsoft.com/office/drawing/2014/main" val="884313215"/>
-                    </a:ext>
-                  </a:extLst>
-                </a:gridCol>
-              </a:tblGrid>
-              <a:tr h="370840">
-                <a:tc>
-                  <a:txBody>
-                    <a:bodyPr/>
-                    <a:lstStyle/>
-                    <a:p>
-                      <a:r>
-                        <a:rPr lang="en-US" dirty="0"/>
-                        <a:t>Congrats on Signing up!</a:t>
-                      </a:r>
-                    </a:p>
-                  </a:txBody>
-                  <a:tcPr/>
-                </a:tc>
-                <a:extLst>
-                  <a:ext uri="{0D108BD9-81ED-4DB2-BD59-A6C34878D82A}">
-                    <a16:rowId xmlns:a16="http://schemas.microsoft.com/office/drawing/2014/main" val="509792389"/>
-                  </a:ext>
-                </a:extLst>
-              </a:tr>
-            </a:tbl>
-          </a:graphicData>
-        </a:graphic>
-      </p:graphicFrame>
+          <p:cNvPicPr>
+            <a:picLocks noChangeAspect="1"/>
+          </p:cNvPicPr>
+          <p:nvPr/>
+        </p:nvPicPr>
+        <p:blipFill>
+          <a:blip r:embed="rId3"/>
+          <a:stretch>
+            <a:fillRect/>
+          </a:stretch>
+        </p:blipFill>
+        <p:spPr>
+          <a:xfrm rot="456053">
+            <a:off x="8881352" y="2994818"/>
+            <a:ext cx="2230266" cy="1672700"/>
+          </a:xfrm>
+          <a:prstGeom prst="rect">
+            <a:avLst/>
+          </a:prstGeom>
+        </p:spPr>
+      </p:pic>
       <p:graphicFrame>
         <p:nvGraphicFramePr>
           <p:cNvPr id="14" name="Table 13">
@@ -25886,13 +25887,13 @@
           <p:nvPr>
             <p:extLst>
               <p:ext uri="{D42A27DB-BD31-4B8C-83A1-F6EECF244321}">
-                <p14:modId xmlns:p14="http://schemas.microsoft.com/office/powerpoint/2010/main" val="944935441"/>
+                <p14:modId xmlns:p14="http://schemas.microsoft.com/office/powerpoint/2010/main" val="3402285180"/>
               </p:ext>
             </p:extLst>
           </p:nvPr>
         </p:nvGraphicFramePr>
         <p:xfrm>
-          <a:off x="1175265" y="5048650"/>
+          <a:off x="1626889" y="5057936"/>
           <a:ext cx="3297882" cy="370840"/>
         </p:xfrm>
         <a:graphic>
@@ -25949,14 +25950,14 @@
           <p:nvPr/>
         </p:nvPicPr>
         <p:blipFill>
-          <a:blip r:embed="rId3"/>
+          <a:blip r:embed="rId4"/>
           <a:stretch>
             <a:fillRect/>
           </a:stretch>
         </p:blipFill>
         <p:spPr>
           <a:xfrm rot="1233269">
-            <a:off x="1280152" y="3099584"/>
+            <a:off x="1540318" y="2002592"/>
             <a:ext cx="1704148" cy="1704148"/>
           </a:xfrm>
           <a:prstGeom prst="rect">
@@ -25979,14 +25980,14 @@
           <p:nvPr/>
         </p:nvPicPr>
         <p:blipFill>
-          <a:blip r:embed="rId4"/>
+          <a:blip r:embed="rId5"/>
           <a:stretch>
             <a:fillRect/>
           </a:stretch>
         </p:blipFill>
         <p:spPr>
           <a:xfrm>
-            <a:off x="4193060" y="4407242"/>
+            <a:off x="206499" y="4360878"/>
             <a:ext cx="1764957" cy="1764957"/>
           </a:xfrm>
           <a:prstGeom prst="rect">
@@ -25994,6 +25995,69 @@
           </a:prstGeom>
         </p:spPr>
       </p:pic>
+      <p:graphicFrame>
+        <p:nvGraphicFramePr>
+          <p:cNvPr id="13" name="Table 12">
+            <a:extLst>
+              <a:ext uri="{FF2B5EF4-FFF2-40B4-BE49-F238E27FC236}">
+                <a16:creationId xmlns:a16="http://schemas.microsoft.com/office/drawing/2014/main" id="{2C22CE76-8153-416A-AFEF-563356C81867}"/>
+              </a:ext>
+            </a:extLst>
+          </p:cNvPr>
+          <p:cNvGraphicFramePr>
+            <a:graphicFrameLocks noGrp="1"/>
+          </p:cNvGraphicFramePr>
+          <p:nvPr>
+            <p:extLst>
+              <p:ext uri="{D42A27DB-BD31-4B8C-83A1-F6EECF244321}">
+                <p14:modId xmlns:p14="http://schemas.microsoft.com/office/powerpoint/2010/main" val="254837981"/>
+              </p:ext>
+            </p:extLst>
+          </p:nvPr>
+        </p:nvGraphicFramePr>
+        <p:xfrm>
+          <a:off x="900682" y="3645748"/>
+          <a:ext cx="2853037" cy="370840"/>
+        </p:xfrm>
+        <a:graphic>
+          <a:graphicData uri="http://schemas.openxmlformats.org/drawingml/2006/table">
+            <a:tbl>
+              <a:tblPr firstRow="1" bandRow="1">
+                <a:tableStyleId>{91EBBBCC-DAD2-459C-BE2E-F6DE35CF9A28}</a:tableStyleId>
+              </a:tblPr>
+              <a:tblGrid>
+                <a:gridCol w="2853037">
+                  <a:extLst>
+                    <a:ext uri="{9D8B030D-6E8A-4147-A177-3AD203B41FA5}">
+                      <a16:colId xmlns:a16="http://schemas.microsoft.com/office/drawing/2014/main" val="884313215"/>
+                    </a:ext>
+                  </a:extLst>
+                </a:gridCol>
+              </a:tblGrid>
+              <a:tr h="370840">
+                <a:tc>
+                  <a:txBody>
+                    <a:bodyPr/>
+                    <a:lstStyle/>
+                    <a:p>
+                      <a:r>
+                        <a:rPr lang="en-US" dirty="0"/>
+                        <a:t>Congrats on Signing up!</a:t>
+                      </a:r>
+                    </a:p>
+                  </a:txBody>
+                  <a:tcPr/>
+                </a:tc>
+                <a:extLst>
+                  <a:ext uri="{0D108BD9-81ED-4DB2-BD59-A6C34878D82A}">
+                    <a16:rowId xmlns:a16="http://schemas.microsoft.com/office/drawing/2014/main" val="509792389"/>
+                  </a:ext>
+                </a:extLst>
+              </a:tr>
+            </a:tbl>
+          </a:graphicData>
+        </a:graphic>
+      </p:graphicFrame>
       <p:pic>
         <p:nvPicPr>
           <p:cNvPr id="22" name="Picture 21">
@@ -26009,7 +26073,7 @@
           <p:nvPr/>
         </p:nvPicPr>
         <p:blipFill>
-          <a:blip r:embed="rId5"/>
+          <a:blip r:embed="rId6"/>
           <a:stretch>
             <a:fillRect/>
           </a:stretch>
@@ -26018,36 +26082,6 @@
           <a:xfrm rot="20931359">
             <a:off x="8260370" y="536366"/>
             <a:ext cx="2219455" cy="1084662"/>
-          </a:xfrm>
-          <a:prstGeom prst="rect">
-            <a:avLst/>
-          </a:prstGeom>
-        </p:spPr>
-      </p:pic>
-      <p:pic>
-        <p:nvPicPr>
-          <p:cNvPr id="24" name="Picture 23">
-            <a:extLst>
-              <a:ext uri="{FF2B5EF4-FFF2-40B4-BE49-F238E27FC236}">
-                <a16:creationId xmlns:a16="http://schemas.microsoft.com/office/drawing/2014/main" id="{C0D8A00C-FDCC-4D92-8963-592DE56953E8}"/>
-              </a:ext>
-            </a:extLst>
-          </p:cNvPr>
-          <p:cNvPicPr>
-            <a:picLocks noChangeAspect="1"/>
-          </p:cNvPicPr>
-          <p:nvPr/>
-        </p:nvPicPr>
-        <p:blipFill>
-          <a:blip r:embed="rId6"/>
-          <a:stretch>
-            <a:fillRect/>
-          </a:stretch>
-        </p:blipFill>
-        <p:spPr>
-          <a:xfrm rot="788870">
-            <a:off x="8837302" y="2986312"/>
-            <a:ext cx="2034585" cy="1525939"/>
           </a:xfrm>
           <a:prstGeom prst="rect">
             <a:avLst/>
